--- a/Introduction_TIPE.pptx
+++ b/Introduction_TIPE.pptx
@@ -116,7 +116,7 @@
   </p:defaultTextStyle>
   <p:extLst>
     <p:ext uri="{EFAFB233-063F-42B5-8137-9DF3F51BA10A}">
-      <p15:sldGuideLst xmlns:p15="http://schemas.microsoft.com/office/powerpoint/2012/main" xmlns="">
+      <p15:sldGuideLst xmlns="" xmlns:p15="http://schemas.microsoft.com/office/powerpoint/2012/main">
         <p15:guide id="1" orient="horz" pos="2160">
           <p15:clr>
             <a:srgbClr val="A4A3A4"/>
@@ -220,7 +220,7 @@
             <a:fld id="{E494A05E-DEA9-4CEA-A63B-3593EEF3AC45}" type="datetimeFigureOut">
               <a:rPr lang="fr-FR" smtClean="0"/>
               <a:pPr/>
-              <a:t>04/09/2017</a:t>
+              <a:t>06/09/2017</a:t>
             </a:fld>
             <a:endParaRPr lang="fr-FR"/>
           </a:p>
@@ -891,7 +891,7 @@
             <a:fld id="{3A961F90-11F6-4966-B0E5-2BB20F714B78}" type="datetime1">
               <a:rPr lang="fr-FR" smtClean="0"/>
               <a:pPr/>
-              <a:t>04/09/2017</a:t>
+              <a:t>06/09/2017</a:t>
             </a:fld>
             <a:endParaRPr lang="fr-FR"/>
           </a:p>
@@ -1252,7 +1252,7 @@
             <a:fld id="{59700BD1-A4B5-444B-B773-B4FDD97DF200}" type="datetime1">
               <a:rPr lang="fr-FR" smtClean="0"/>
               <a:pPr/>
-              <a:t>04/09/2017</a:t>
+              <a:t>06/09/2017</a:t>
             </a:fld>
             <a:endParaRPr lang="fr-FR"/>
           </a:p>
@@ -1429,7 +1429,7 @@
             <a:fld id="{A354AF49-C35E-40F6-8345-CA866716EE79}" type="datetime1">
               <a:rPr lang="fr-FR" smtClean="0"/>
               <a:pPr/>
-              <a:t>04/09/2017</a:t>
+              <a:t>06/09/2017</a:t>
             </a:fld>
             <a:endParaRPr lang="fr-FR"/>
           </a:p>
@@ -1677,7 +1677,7 @@
             <a:fld id="{EAFEF7E1-4A71-4560-AA4D-33BBAAF32357}" type="datetime1">
               <a:rPr lang="fr-FR" smtClean="0"/>
               <a:pPr/>
-              <a:t>04/09/2017</a:t>
+              <a:t>06/09/2017</a:t>
             </a:fld>
             <a:endParaRPr lang="fr-FR"/>
           </a:p>
@@ -1955,7 +1955,7 @@
             <a:fld id="{9BE6CECE-C4BA-493A-9F45-8F69D8200EC9}" type="datetime1">
               <a:rPr lang="fr-FR" smtClean="0"/>
               <a:pPr/>
-              <a:t>04/09/2017</a:t>
+              <a:t>06/09/2017</a:t>
             </a:fld>
             <a:endParaRPr lang="fr-FR"/>
           </a:p>
@@ -2177,7 +2177,7 @@
             <a:fld id="{6B400324-51BB-4021-B482-6C084AB66459}" type="datetime1">
               <a:rPr lang="fr-FR" smtClean="0"/>
               <a:pPr/>
-              <a:t>04/09/2017</a:t>
+              <a:t>06/09/2017</a:t>
             </a:fld>
             <a:endParaRPr lang="fr-FR"/>
           </a:p>
@@ -2531,7 +2531,7 @@
             <a:fld id="{87C4A39B-E1E0-4B19-A965-1E1097FB3AF3}" type="datetime1">
               <a:rPr lang="fr-FR" smtClean="0"/>
               <a:pPr/>
-              <a:t>04/09/2017</a:t>
+              <a:t>06/09/2017</a:t>
             </a:fld>
             <a:endParaRPr lang="fr-FR"/>
           </a:p>
@@ -2765,7 +2765,7 @@
             <a:fld id="{CEF5A761-699F-4B94-BA43-1E8C0C9C554B}" type="datetime1">
               <a:rPr lang="fr-FR" smtClean="0"/>
               <a:pPr/>
-              <a:t>04/09/2017</a:t>
+              <a:t>06/09/2017</a:t>
             </a:fld>
             <a:endParaRPr lang="fr-FR"/>
           </a:p>
@@ -2907,7 +2907,7 @@
             <a:fld id="{E407DE65-0759-4C9C-9804-8C4C0AC5F8D7}" type="datetime1">
               <a:rPr lang="fr-FR" smtClean="0"/>
               <a:pPr/>
-              <a:t>04/09/2017</a:t>
+              <a:t>06/09/2017</a:t>
             </a:fld>
             <a:endParaRPr lang="fr-FR"/>
           </a:p>
@@ -3186,7 +3186,7 @@
             <a:fld id="{6DCAF433-E5EB-4B74-B8BB-3F6D9EEAE800}" type="datetime1">
               <a:rPr lang="fr-FR" smtClean="0"/>
               <a:pPr/>
-              <a:t>04/09/2017</a:t>
+              <a:t>06/09/2017</a:t>
             </a:fld>
             <a:endParaRPr lang="fr-FR"/>
           </a:p>
@@ -3595,7 +3595,7 @@
             <a:fld id="{E5AEAC06-18E9-471A-B77A-CDA5C363BF1F}" type="datetime1">
               <a:rPr lang="fr-FR" smtClean="0"/>
               <a:pPr/>
-              <a:t>04/09/2017</a:t>
+              <a:t>06/09/2017</a:t>
             </a:fld>
             <a:endParaRPr lang="fr-FR"/>
           </a:p>
@@ -3935,7 +3935,7 @@
             <a:fld id="{B9178431-C703-4FD6-9F6F-E8F5512852E2}" type="datetime1">
               <a:rPr lang="fr-FR" smtClean="0"/>
               <a:pPr/>
-              <a:t>04/09/2017</a:t>
+              <a:t>06/09/2017</a:t>
             </a:fld>
             <a:endParaRPr lang="fr-FR"/>
           </a:p>

--- a/Introduction_TIPE.pptx
+++ b/Introduction_TIPE.pptx
@@ -18,7 +18,7 @@
     <p:sldId id="263" r:id="rId9"/>
   </p:sldIdLst>
   <p:sldSz cx="9144000" cy="6858000" type="screen4x3"/>
-  <p:notesSz cx="6858000" cy="9144000"/>
+  <p:notesSz cx="7099300" cy="10234613"/>
   <p:defaultTextStyle>
     <a:defPPr>
       <a:defRPr lang="fr-FR"/>
@@ -116,7 +116,7 @@
   </p:defaultTextStyle>
   <p:extLst>
     <p:ext uri="{EFAFB233-063F-42B5-8137-9DF3F51BA10A}">
-      <p15:sldGuideLst xmlns="" xmlns:p15="http://schemas.microsoft.com/office/powerpoint/2012/main">
+      <p15:sldGuideLst xmlns:p15="http://schemas.microsoft.com/office/powerpoint/2012/main" xmlns="">
         <p15:guide id="1" orient="horz" pos="2160">
           <p15:clr>
             <a:srgbClr val="A4A3A4"/>
@@ -172,17 +172,17 @@
         <p:spPr>
           <a:xfrm>
             <a:off x="0" y="0"/>
-            <a:ext cx="2971800" cy="457200"/>
+            <a:ext cx="3076363" cy="511731"/>
           </a:xfrm>
           <a:prstGeom prst="rect">
             <a:avLst/>
           </a:prstGeom>
         </p:spPr>
         <p:txBody>
-          <a:bodyPr vert="horz" lIns="91440" tIns="45720" rIns="91440" bIns="45720" rtlCol="0"/>
+          <a:bodyPr vert="horz" lIns="99048" tIns="49524" rIns="99048" bIns="49524" rtlCol="0"/>
           <a:lstStyle>
             <a:lvl1pPr algn="l">
-              <a:defRPr sz="1200"/>
+              <a:defRPr sz="1300"/>
             </a:lvl1pPr>
           </a:lstStyle>
           <a:p>
@@ -202,25 +202,25 @@
         </p:nvSpPr>
         <p:spPr>
           <a:xfrm>
-            <a:off x="3884613" y="0"/>
-            <a:ext cx="2971800" cy="457200"/>
+            <a:off x="4021294" y="0"/>
+            <a:ext cx="3076363" cy="511731"/>
           </a:xfrm>
           <a:prstGeom prst="rect">
             <a:avLst/>
           </a:prstGeom>
         </p:spPr>
         <p:txBody>
-          <a:bodyPr vert="horz" lIns="91440" tIns="45720" rIns="91440" bIns="45720" rtlCol="0"/>
+          <a:bodyPr vert="horz" lIns="99048" tIns="49524" rIns="99048" bIns="49524" rtlCol="0"/>
           <a:lstStyle>
             <a:lvl1pPr algn="r">
-              <a:defRPr sz="1200"/>
+              <a:defRPr sz="1300"/>
             </a:lvl1pPr>
           </a:lstStyle>
           <a:p>
             <a:fld id="{E494A05E-DEA9-4CEA-A63B-3593EEF3AC45}" type="datetimeFigureOut">
               <a:rPr lang="fr-FR" smtClean="0"/>
               <a:pPr/>
-              <a:t>06/09/2017</a:t>
+              <a:t>08/09/2017</a:t>
             </a:fld>
             <a:endParaRPr lang="fr-FR"/>
           </a:p>
@@ -238,8 +238,8 @@
         </p:nvSpPr>
         <p:spPr>
           <a:xfrm>
-            <a:off x="1143000" y="685800"/>
-            <a:ext cx="4572000" cy="3429000"/>
+            <a:off x="992188" y="768350"/>
+            <a:ext cx="5114925" cy="3836988"/>
           </a:xfrm>
           <a:prstGeom prst="rect">
             <a:avLst/>
@@ -252,7 +252,7 @@
           </a:ln>
         </p:spPr>
         <p:txBody>
-          <a:bodyPr vert="horz" lIns="91440" tIns="45720" rIns="91440" bIns="45720" rtlCol="0" anchor="ctr"/>
+          <a:bodyPr vert="horz" lIns="99048" tIns="49524" rIns="99048" bIns="49524" rtlCol="0" anchor="ctr"/>
           <a:lstStyle/>
           <a:p>
             <a:endParaRPr lang="fr-FR"/>
@@ -271,15 +271,15 @@
         </p:nvSpPr>
         <p:spPr>
           <a:xfrm>
-            <a:off x="685800" y="4343400"/>
-            <a:ext cx="5486400" cy="4114800"/>
+            <a:off x="709930" y="4861441"/>
+            <a:ext cx="5679440" cy="4605576"/>
           </a:xfrm>
           <a:prstGeom prst="rect">
             <a:avLst/>
           </a:prstGeom>
         </p:spPr>
         <p:txBody>
-          <a:bodyPr vert="horz" lIns="91440" tIns="45720" rIns="91440" bIns="45720" rtlCol="0">
+          <a:bodyPr vert="horz" lIns="99048" tIns="49524" rIns="99048" bIns="49524" rtlCol="0">
             <a:normAutofit/>
           </a:bodyPr>
           <a:lstStyle/>
@@ -332,18 +332,18 @@
         </p:nvSpPr>
         <p:spPr>
           <a:xfrm>
-            <a:off x="0" y="8685213"/>
-            <a:ext cx="2971800" cy="457200"/>
+            <a:off x="0" y="9721106"/>
+            <a:ext cx="3076363" cy="511731"/>
           </a:xfrm>
           <a:prstGeom prst="rect">
             <a:avLst/>
           </a:prstGeom>
         </p:spPr>
         <p:txBody>
-          <a:bodyPr vert="horz" lIns="91440" tIns="45720" rIns="91440" bIns="45720" rtlCol="0" anchor="b"/>
+          <a:bodyPr vert="horz" lIns="99048" tIns="49524" rIns="99048" bIns="49524" rtlCol="0" anchor="b"/>
           <a:lstStyle>
             <a:lvl1pPr algn="l">
-              <a:defRPr sz="1200"/>
+              <a:defRPr sz="1300"/>
             </a:lvl1pPr>
           </a:lstStyle>
           <a:p>
@@ -363,18 +363,18 @@
         </p:nvSpPr>
         <p:spPr>
           <a:xfrm>
-            <a:off x="3884613" y="8685213"/>
-            <a:ext cx="2971800" cy="457200"/>
+            <a:off x="4021294" y="9721106"/>
+            <a:ext cx="3076363" cy="511731"/>
           </a:xfrm>
           <a:prstGeom prst="rect">
             <a:avLst/>
           </a:prstGeom>
         </p:spPr>
         <p:txBody>
-          <a:bodyPr vert="horz" lIns="91440" tIns="45720" rIns="91440" bIns="45720" rtlCol="0" anchor="b"/>
+          <a:bodyPr vert="horz" lIns="99048" tIns="49524" rIns="99048" bIns="49524" rtlCol="0" anchor="b"/>
           <a:lstStyle>
             <a:lvl1pPr algn="r">
-              <a:defRPr sz="1200"/>
+              <a:defRPr sz="1300"/>
             </a:lvl1pPr>
           </a:lstStyle>
           <a:p>
@@ -891,7 +891,7 @@
             <a:fld id="{3A961F90-11F6-4966-B0E5-2BB20F714B78}" type="datetime1">
               <a:rPr lang="fr-FR" smtClean="0"/>
               <a:pPr/>
-              <a:t>06/09/2017</a:t>
+              <a:t>08/09/2017</a:t>
             </a:fld>
             <a:endParaRPr lang="fr-FR"/>
           </a:p>
@@ -1252,7 +1252,7 @@
             <a:fld id="{59700BD1-A4B5-444B-B773-B4FDD97DF200}" type="datetime1">
               <a:rPr lang="fr-FR" smtClean="0"/>
               <a:pPr/>
-              <a:t>06/09/2017</a:t>
+              <a:t>08/09/2017</a:t>
             </a:fld>
             <a:endParaRPr lang="fr-FR"/>
           </a:p>
@@ -1429,7 +1429,7 @@
             <a:fld id="{A354AF49-C35E-40F6-8345-CA866716EE79}" type="datetime1">
               <a:rPr lang="fr-FR" smtClean="0"/>
               <a:pPr/>
-              <a:t>06/09/2017</a:t>
+              <a:t>08/09/2017</a:t>
             </a:fld>
             <a:endParaRPr lang="fr-FR"/>
           </a:p>
@@ -1677,7 +1677,7 @@
             <a:fld id="{EAFEF7E1-4A71-4560-AA4D-33BBAAF32357}" type="datetime1">
               <a:rPr lang="fr-FR" smtClean="0"/>
               <a:pPr/>
-              <a:t>06/09/2017</a:t>
+              <a:t>08/09/2017</a:t>
             </a:fld>
             <a:endParaRPr lang="fr-FR"/>
           </a:p>
@@ -1955,7 +1955,7 @@
             <a:fld id="{9BE6CECE-C4BA-493A-9F45-8F69D8200EC9}" type="datetime1">
               <a:rPr lang="fr-FR" smtClean="0"/>
               <a:pPr/>
-              <a:t>06/09/2017</a:t>
+              <a:t>08/09/2017</a:t>
             </a:fld>
             <a:endParaRPr lang="fr-FR"/>
           </a:p>
@@ -2177,7 +2177,7 @@
             <a:fld id="{6B400324-51BB-4021-B482-6C084AB66459}" type="datetime1">
               <a:rPr lang="fr-FR" smtClean="0"/>
               <a:pPr/>
-              <a:t>06/09/2017</a:t>
+              <a:t>08/09/2017</a:t>
             </a:fld>
             <a:endParaRPr lang="fr-FR"/>
           </a:p>
@@ -2531,7 +2531,7 @@
             <a:fld id="{87C4A39B-E1E0-4B19-A965-1E1097FB3AF3}" type="datetime1">
               <a:rPr lang="fr-FR" smtClean="0"/>
               <a:pPr/>
-              <a:t>06/09/2017</a:t>
+              <a:t>08/09/2017</a:t>
             </a:fld>
             <a:endParaRPr lang="fr-FR"/>
           </a:p>
@@ -2765,7 +2765,7 @@
             <a:fld id="{CEF5A761-699F-4B94-BA43-1E8C0C9C554B}" type="datetime1">
               <a:rPr lang="fr-FR" smtClean="0"/>
               <a:pPr/>
-              <a:t>06/09/2017</a:t>
+              <a:t>08/09/2017</a:t>
             </a:fld>
             <a:endParaRPr lang="fr-FR"/>
           </a:p>
@@ -2907,7 +2907,7 @@
             <a:fld id="{E407DE65-0759-4C9C-9804-8C4C0AC5F8D7}" type="datetime1">
               <a:rPr lang="fr-FR" smtClean="0"/>
               <a:pPr/>
-              <a:t>06/09/2017</a:t>
+              <a:t>08/09/2017</a:t>
             </a:fld>
             <a:endParaRPr lang="fr-FR"/>
           </a:p>
@@ -3186,7 +3186,7 @@
             <a:fld id="{6DCAF433-E5EB-4B74-B8BB-3F6D9EEAE800}" type="datetime1">
               <a:rPr lang="fr-FR" smtClean="0"/>
               <a:pPr/>
-              <a:t>06/09/2017</a:t>
+              <a:t>08/09/2017</a:t>
             </a:fld>
             <a:endParaRPr lang="fr-FR"/>
           </a:p>
@@ -3595,7 +3595,7 @@
             <a:fld id="{E5AEAC06-18E9-471A-B77A-CDA5C363BF1F}" type="datetime1">
               <a:rPr lang="fr-FR" smtClean="0"/>
               <a:pPr/>
-              <a:t>06/09/2017</a:t>
+              <a:t>08/09/2017</a:t>
             </a:fld>
             <a:endParaRPr lang="fr-FR"/>
           </a:p>
@@ -3935,7 +3935,7 @@
             <a:fld id="{B9178431-C703-4FD6-9F6F-E8F5512852E2}" type="datetime1">
               <a:rPr lang="fr-FR" smtClean="0"/>
               <a:pPr/>
-              <a:t>06/09/2017</a:t>
+              <a:t>08/09/2017</a:t>
             </a:fld>
             <a:endParaRPr lang="fr-FR"/>
           </a:p>
@@ -5658,6 +5658,18 @@
             <a:r>
               <a:rPr lang="fr-FR" dirty="0" smtClean="0"/>
               <a:t>Profiter de ces créneaux pour vous consacrer entièrement au TIPE.</a:t>
+            </a:r>
+          </a:p>
+          <a:p>
+            <a:endParaRPr lang="fr-FR" dirty="0" smtClean="0"/>
+          </a:p>
+          <a:p>
+            <a:endParaRPr lang="fr-FR" dirty="0"/>
+          </a:p>
+          <a:p>
+            <a:r>
+              <a:rPr lang="fr-FR" dirty="0" smtClean="0"/>
+              <a:t>… Feuille de présence à signer le vendredi… les absences sont à justifier. </a:t>
             </a:r>
           </a:p>
           <a:p>

--- a/Introduction_TIPE.pptx
+++ b/Introduction_TIPE.pptx
@@ -5,7 +5,7 @@
     <p:sldMasterId id="2147483684" r:id="rId1"/>
   </p:sldMasterIdLst>
   <p:notesMasterIdLst>
-    <p:notesMasterId r:id="rId10"/>
+    <p:notesMasterId r:id="rId11"/>
   </p:notesMasterIdLst>
   <p:sldIdLst>
     <p:sldId id="256" r:id="rId2"/>
@@ -16,6 +16,7 @@
     <p:sldId id="261" r:id="rId7"/>
     <p:sldId id="262" r:id="rId8"/>
     <p:sldId id="263" r:id="rId9"/>
+    <p:sldId id="264" r:id="rId10"/>
   </p:sldIdLst>
   <p:sldSz cx="9144000" cy="6858000" type="screen4x3"/>
   <p:notesSz cx="7099300" cy="10234613"/>
@@ -116,7 +117,7 @@
   </p:defaultTextStyle>
   <p:extLst>
     <p:ext uri="{EFAFB233-063F-42B5-8137-9DF3F51BA10A}">
-      <p15:sldGuideLst xmlns:p15="http://schemas.microsoft.com/office/powerpoint/2012/main" xmlns="">
+      <p15:sldGuideLst xmlns="" xmlns:p15="http://schemas.microsoft.com/office/powerpoint/2012/main">
         <p15:guide id="1" orient="horz" pos="2160">
           <p15:clr>
             <a:srgbClr val="A4A3A4"/>
@@ -135,6 +136,232 @@
 
 <file path=ppt/revisionInfo.xml><?xml version="1.0" encoding="utf-8"?>
 <p1510:revInfo xmlns:a="http://schemas.openxmlformats.org/drawingml/2006/main" xmlns:r="http://schemas.openxmlformats.org/officeDocument/2006/relationships" xmlns:p1510="http://schemas.microsoft.com/office/powerpoint/2015/10/main"/>
+</file>
+
+<file path=ppt/charts/chart1.xml><?xml version="1.0" encoding="utf-8"?>
+<c:chartSpace xmlns:c="http://schemas.openxmlformats.org/drawingml/2006/chart" xmlns:a="http://schemas.openxmlformats.org/drawingml/2006/main" xmlns:r="http://schemas.openxmlformats.org/officeDocument/2006/relationships">
+  <c:date1904 val="0"/>
+  <c:lang val="fr-FR"/>
+  <c:roundedCorners val="0"/>
+  <mc:AlternateContent xmlns:mc="http://schemas.openxmlformats.org/markup-compatibility/2006">
+    <mc:Choice xmlns:c14="http://schemas.microsoft.com/office/drawing/2007/8/2/chart" Requires="c14">
+      <c14:style val="102"/>
+    </mc:Choice>
+    <mc:Fallback>
+      <c:style val="2"/>
+    </mc:Fallback>
+  </mc:AlternateContent>
+  <c:chart>
+    <c:autoTitleDeleted val="0"/>
+    <c:plotArea>
+      <c:layout/>
+      <c:scatterChart>
+        <c:scatterStyle val="lineMarker"/>
+        <c:varyColors val="0"/>
+        <c:ser>
+          <c:idx val="0"/>
+          <c:order val="0"/>
+          <c:spPr>
+            <a:ln w="28575">
+              <a:noFill/>
+            </a:ln>
+          </c:spPr>
+          <c:yVal>
+            <c:numRef>
+              <c:f>Feuil1!$H$2:$H$47</c:f>
+              <c:numCache>
+                <c:formatCode>General</c:formatCode>
+                <c:ptCount val="46"/>
+                <c:pt idx="0">
+                  <c:v>4.3</c:v>
+                </c:pt>
+                <c:pt idx="1">
+                  <c:v>4.3</c:v>
+                </c:pt>
+                <c:pt idx="2">
+                  <c:v>5.5</c:v>
+                </c:pt>
+                <c:pt idx="3">
+                  <c:v>6.3</c:v>
+                </c:pt>
+                <c:pt idx="4">
+                  <c:v>7.1</c:v>
+                </c:pt>
+                <c:pt idx="5">
+                  <c:v>7.2</c:v>
+                </c:pt>
+                <c:pt idx="6">
+                  <c:v>7.9</c:v>
+                </c:pt>
+                <c:pt idx="7">
+                  <c:v>9.1999999999999993</c:v>
+                </c:pt>
+                <c:pt idx="8">
+                  <c:v>9.4</c:v>
+                </c:pt>
+                <c:pt idx="9">
+                  <c:v>10</c:v>
+                </c:pt>
+                <c:pt idx="10">
+                  <c:v>10.4</c:v>
+                </c:pt>
+                <c:pt idx="11">
+                  <c:v>10.6</c:v>
+                </c:pt>
+                <c:pt idx="12">
+                  <c:v>10.9</c:v>
+                </c:pt>
+                <c:pt idx="13">
+                  <c:v>10.9</c:v>
+                </c:pt>
+                <c:pt idx="14">
+                  <c:v>11.3</c:v>
+                </c:pt>
+                <c:pt idx="15">
+                  <c:v>11.4</c:v>
+                </c:pt>
+                <c:pt idx="16">
+                  <c:v>11.5</c:v>
+                </c:pt>
+                <c:pt idx="17">
+                  <c:v>11.6</c:v>
+                </c:pt>
+                <c:pt idx="18">
+                  <c:v>12</c:v>
+                </c:pt>
+                <c:pt idx="19">
+                  <c:v>12.4</c:v>
+                </c:pt>
+                <c:pt idx="20">
+                  <c:v>12.4</c:v>
+                </c:pt>
+                <c:pt idx="21">
+                  <c:v>12.8</c:v>
+                </c:pt>
+                <c:pt idx="22">
+                  <c:v>12.9</c:v>
+                </c:pt>
+                <c:pt idx="23">
+                  <c:v>13.3</c:v>
+                </c:pt>
+                <c:pt idx="24">
+                  <c:v>13.3</c:v>
+                </c:pt>
+                <c:pt idx="25">
+                  <c:v>13.5</c:v>
+                </c:pt>
+                <c:pt idx="26">
+                  <c:v>13.5</c:v>
+                </c:pt>
+                <c:pt idx="27">
+                  <c:v>13.5</c:v>
+                </c:pt>
+                <c:pt idx="28">
+                  <c:v>14</c:v>
+                </c:pt>
+                <c:pt idx="29">
+                  <c:v>14</c:v>
+                </c:pt>
+                <c:pt idx="30">
+                  <c:v>14.1</c:v>
+                </c:pt>
+                <c:pt idx="31">
+                  <c:v>14.2</c:v>
+                </c:pt>
+                <c:pt idx="32">
+                  <c:v>14.4</c:v>
+                </c:pt>
+                <c:pt idx="33">
+                  <c:v>15.1</c:v>
+                </c:pt>
+                <c:pt idx="34">
+                  <c:v>15.6</c:v>
+                </c:pt>
+                <c:pt idx="35">
+                  <c:v>15.7</c:v>
+                </c:pt>
+                <c:pt idx="36">
+                  <c:v>15.8</c:v>
+                </c:pt>
+                <c:pt idx="37">
+                  <c:v>16.100000000000001</c:v>
+                </c:pt>
+                <c:pt idx="38">
+                  <c:v>16.100000000000001</c:v>
+                </c:pt>
+                <c:pt idx="39">
+                  <c:v>16.5</c:v>
+                </c:pt>
+                <c:pt idx="40">
+                  <c:v>16.5</c:v>
+                </c:pt>
+                <c:pt idx="41">
+                  <c:v>16.8</c:v>
+                </c:pt>
+                <c:pt idx="42">
+                  <c:v>16.8</c:v>
+                </c:pt>
+                <c:pt idx="43">
+                  <c:v>16.899999999999999</c:v>
+                </c:pt>
+                <c:pt idx="44">
+                  <c:v>18.3</c:v>
+                </c:pt>
+              </c:numCache>
+            </c:numRef>
+          </c:yVal>
+          <c:smooth val="0"/>
+        </c:ser>
+        <c:dLbls>
+          <c:showLegendKey val="0"/>
+          <c:showVal val="0"/>
+          <c:showCatName val="0"/>
+          <c:showSerName val="0"/>
+          <c:showPercent val="0"/>
+          <c:showBubbleSize val="0"/>
+        </c:dLbls>
+        <c:axId val="96428032"/>
+        <c:axId val="96428608"/>
+      </c:scatterChart>
+      <c:valAx>
+        <c:axId val="96428032"/>
+        <c:scaling>
+          <c:orientation val="minMax"/>
+        </c:scaling>
+        <c:delete val="0"/>
+        <c:axPos val="b"/>
+        <c:majorTickMark val="out"/>
+        <c:minorTickMark val="none"/>
+        <c:tickLblPos val="nextTo"/>
+        <c:crossAx val="96428608"/>
+        <c:crosses val="autoZero"/>
+        <c:crossBetween val="midCat"/>
+      </c:valAx>
+      <c:valAx>
+        <c:axId val="96428608"/>
+        <c:scaling>
+          <c:orientation val="minMax"/>
+        </c:scaling>
+        <c:delete val="0"/>
+        <c:axPos val="l"/>
+        <c:majorGridlines/>
+        <c:numFmt formatCode="General" sourceLinked="1"/>
+        <c:majorTickMark val="out"/>
+        <c:minorTickMark val="none"/>
+        <c:tickLblPos val="nextTo"/>
+        <c:crossAx val="96428032"/>
+        <c:crosses val="autoZero"/>
+        <c:crossBetween val="midCat"/>
+      </c:valAx>
+    </c:plotArea>
+    <c:plotVisOnly val="1"/>
+    <c:dispBlanksAs val="gap"/>
+    <c:showDLblsOverMax val="0"/>
+  </c:chart>
+  <c:externalData r:id="rId1">
+    <c:autoUpdate val="0"/>
+  </c:externalData>
+</c:chartSpace>
 </file>
 
 <file path=ppt/notesMasters/notesMaster1.xml><?xml version="1.0" encoding="utf-8"?>
@@ -220,7 +447,7 @@
             <a:fld id="{E494A05E-DEA9-4CEA-A63B-3593EEF3AC45}" type="datetimeFigureOut">
               <a:rPr lang="fr-FR" smtClean="0"/>
               <a:pPr/>
-              <a:t>08/09/2017</a:t>
+              <a:t>03/09/2018</a:t>
             </a:fld>
             <a:endParaRPr lang="fr-FR"/>
           </a:p>
@@ -891,7 +1118,7 @@
             <a:fld id="{3A961F90-11F6-4966-B0E5-2BB20F714B78}" type="datetime1">
               <a:rPr lang="fr-FR" smtClean="0"/>
               <a:pPr/>
-              <a:t>08/09/2017</a:t>
+              <a:t>03/09/2018</a:t>
             </a:fld>
             <a:endParaRPr lang="fr-FR"/>
           </a:p>
@@ -1252,7 +1479,7 @@
             <a:fld id="{59700BD1-A4B5-444B-B773-B4FDD97DF200}" type="datetime1">
               <a:rPr lang="fr-FR" smtClean="0"/>
               <a:pPr/>
-              <a:t>08/09/2017</a:t>
+              <a:t>03/09/2018</a:t>
             </a:fld>
             <a:endParaRPr lang="fr-FR"/>
           </a:p>
@@ -1429,7 +1656,7 @@
             <a:fld id="{A354AF49-C35E-40F6-8345-CA866716EE79}" type="datetime1">
               <a:rPr lang="fr-FR" smtClean="0"/>
               <a:pPr/>
-              <a:t>08/09/2017</a:t>
+              <a:t>03/09/2018</a:t>
             </a:fld>
             <a:endParaRPr lang="fr-FR"/>
           </a:p>
@@ -1677,7 +1904,7 @@
             <a:fld id="{EAFEF7E1-4A71-4560-AA4D-33BBAAF32357}" type="datetime1">
               <a:rPr lang="fr-FR" smtClean="0"/>
               <a:pPr/>
-              <a:t>08/09/2017</a:t>
+              <a:t>03/09/2018</a:t>
             </a:fld>
             <a:endParaRPr lang="fr-FR"/>
           </a:p>
@@ -1955,7 +2182,7 @@
             <a:fld id="{9BE6CECE-C4BA-493A-9F45-8F69D8200EC9}" type="datetime1">
               <a:rPr lang="fr-FR" smtClean="0"/>
               <a:pPr/>
-              <a:t>08/09/2017</a:t>
+              <a:t>03/09/2018</a:t>
             </a:fld>
             <a:endParaRPr lang="fr-FR"/>
           </a:p>
@@ -2177,7 +2404,7 @@
             <a:fld id="{6B400324-51BB-4021-B482-6C084AB66459}" type="datetime1">
               <a:rPr lang="fr-FR" smtClean="0"/>
               <a:pPr/>
-              <a:t>08/09/2017</a:t>
+              <a:t>03/09/2018</a:t>
             </a:fld>
             <a:endParaRPr lang="fr-FR"/>
           </a:p>
@@ -2531,7 +2758,7 @@
             <a:fld id="{87C4A39B-E1E0-4B19-A965-1E1097FB3AF3}" type="datetime1">
               <a:rPr lang="fr-FR" smtClean="0"/>
               <a:pPr/>
-              <a:t>08/09/2017</a:t>
+              <a:t>03/09/2018</a:t>
             </a:fld>
             <a:endParaRPr lang="fr-FR"/>
           </a:p>
@@ -2765,7 +2992,7 @@
             <a:fld id="{CEF5A761-699F-4B94-BA43-1E8C0C9C554B}" type="datetime1">
               <a:rPr lang="fr-FR" smtClean="0"/>
               <a:pPr/>
-              <a:t>08/09/2017</a:t>
+              <a:t>03/09/2018</a:t>
             </a:fld>
             <a:endParaRPr lang="fr-FR"/>
           </a:p>
@@ -2907,7 +3134,7 @@
             <a:fld id="{E407DE65-0759-4C9C-9804-8C4C0AC5F8D7}" type="datetime1">
               <a:rPr lang="fr-FR" smtClean="0"/>
               <a:pPr/>
-              <a:t>08/09/2017</a:t>
+              <a:t>03/09/2018</a:t>
             </a:fld>
             <a:endParaRPr lang="fr-FR"/>
           </a:p>
@@ -3186,7 +3413,7 @@
             <a:fld id="{6DCAF433-E5EB-4B74-B8BB-3F6D9EEAE800}" type="datetime1">
               <a:rPr lang="fr-FR" smtClean="0"/>
               <a:pPr/>
-              <a:t>08/09/2017</a:t>
+              <a:t>03/09/2018</a:t>
             </a:fld>
             <a:endParaRPr lang="fr-FR"/>
           </a:p>
@@ -3595,7 +3822,7 @@
             <a:fld id="{E5AEAC06-18E9-471A-B77A-CDA5C363BF1F}" type="datetime1">
               <a:rPr lang="fr-FR" smtClean="0"/>
               <a:pPr/>
-              <a:t>08/09/2017</a:t>
+              <a:t>03/09/2018</a:t>
             </a:fld>
             <a:endParaRPr lang="fr-FR"/>
           </a:p>
@@ -3935,7 +4162,7 @@
             <a:fld id="{B9178431-C703-4FD6-9F6F-E8F5512852E2}" type="datetime1">
               <a:rPr lang="fr-FR" smtClean="0"/>
               <a:pPr/>
-              <a:t>08/09/2017</a:t>
+              <a:t>03/09/2018</a:t>
             </a:fld>
             <a:endParaRPr lang="fr-FR"/>
           </a:p>
@@ -5012,8 +5239,14 @@
           <a:p>
             <a:r>
               <a:rPr lang="fr-FR" b="1" dirty="0"/>
-              <a:t>Milieux : interactions, interfaces, homogénéité, ruptures.</a:t>
-            </a:r>
+              <a:t>Milieux : </a:t>
+            </a:r>
+            <a:r>
+              <a:rPr lang="fr-FR" b="1" dirty="0" smtClean="0"/>
+              <a:t>Transport…</a:t>
+            </a:r>
+          </a:p>
+          <a:p>
             <a:endParaRPr lang="fr-FR" dirty="0"/>
           </a:p>
           <a:p>
@@ -5694,6 +5927,300 @@
       </p:par>
     </p:tnLst>
   </p:timing>
+</p:sld>
+</file>
+
+<file path=ppt/slides/slide9.xml><?xml version="1.0" encoding="utf-8"?>
+<p:sld xmlns:a="http://schemas.openxmlformats.org/drawingml/2006/main" xmlns:r="http://schemas.openxmlformats.org/officeDocument/2006/relationships" xmlns:p="http://schemas.openxmlformats.org/presentationml/2006/main">
+  <p:cSld>
+    <p:spTree>
+      <p:nvGrpSpPr>
+        <p:cNvPr id="1" name=""/>
+        <p:cNvGrpSpPr/>
+        <p:nvPr/>
+      </p:nvGrpSpPr>
+      <p:grpSpPr>
+        <a:xfrm>
+          <a:off x="0" y="0"/>
+          <a:ext cx="0" cy="0"/>
+          <a:chOff x="0" y="0"/>
+          <a:chExt cx="0" cy="0"/>
+        </a:xfrm>
+      </p:grpSpPr>
+      <p:sp>
+        <p:nvSpPr>
+          <p:cNvPr id="2" name="Titre 1"/>
+          <p:cNvSpPr>
+            <a:spLocks noGrp="1"/>
+          </p:cNvSpPr>
+          <p:nvPr>
+            <p:ph type="title"/>
+          </p:nvPr>
+        </p:nvSpPr>
+        <p:spPr/>
+        <p:txBody>
+          <a:bodyPr/>
+          <a:lstStyle/>
+          <a:p>
+            <a:r>
+              <a:rPr lang="fr-FR" dirty="0" smtClean="0"/>
+              <a:t>Retour sur 2018</a:t>
+            </a:r>
+            <a:endParaRPr lang="fr-FR" dirty="0"/>
+          </a:p>
+        </p:txBody>
+      </p:sp>
+      <p:sp>
+        <p:nvSpPr>
+          <p:cNvPr id="3" name="Espace réservé du numéro de diapositive 2"/>
+          <p:cNvSpPr>
+            <a:spLocks noGrp="1"/>
+          </p:cNvSpPr>
+          <p:nvPr>
+            <p:ph type="sldNum" sz="quarter" idx="12"/>
+          </p:nvPr>
+        </p:nvSpPr>
+        <p:spPr/>
+        <p:txBody>
+          <a:bodyPr/>
+          <a:lstStyle/>
+          <a:p>
+            <a:fld id="{3F1D8263-54E8-442D-88B4-DA252C595E3D}" type="slidenum">
+              <a:rPr lang="fr-FR" smtClean="0"/>
+              <a:pPr/>
+              <a:t>9</a:t>
+            </a:fld>
+            <a:endParaRPr lang="fr-FR"/>
+          </a:p>
+        </p:txBody>
+      </p:sp>
+      <mc:AlternateContent xmlns:mc="http://schemas.openxmlformats.org/markup-compatibility/2006">
+        <mc:Choice xmlns:a14="http://schemas.microsoft.com/office/drawing/2010/main" Requires="a14">
+          <p:sp>
+            <p:nvSpPr>
+              <p:cNvPr id="4" name="Espace réservé du contenu 3"/>
+              <p:cNvSpPr>
+                <a:spLocks noGrp="1"/>
+              </p:cNvSpPr>
+              <p:nvPr>
+                <p:ph sz="quarter" idx="1"/>
+              </p:nvPr>
+            </p:nvSpPr>
+            <p:spPr/>
+            <p:txBody>
+              <a:bodyPr>
+                <a:normAutofit fontScale="92500" lnSpcReduction="20000"/>
+              </a:bodyPr>
+              <a:lstStyle/>
+              <a:p>
+                <a:r>
+                  <a:rPr lang="fr-FR" dirty="0" smtClean="0"/>
+                  <a:t>Résultat : </a:t>
+                </a:r>
+              </a:p>
+              <a:p>
+                <a:pPr lvl="1"/>
+                <a:r>
+                  <a:rPr lang="fr-FR" dirty="0" smtClean="0"/>
+                  <a:t>moyenne PSI</a:t>
+                </a:r>
+                <a14:m>
+                  <m:oMath xmlns:m="http://schemas.openxmlformats.org/officeDocument/2006/math">
+                    <m:r>
+                      <a:rPr lang="fr-FR" b="0" i="1" smtClean="0">
+                        <a:latin typeface="Cambria Math"/>
+                      </a:rPr>
+                      <m:t>⋆</m:t>
+                    </m:r>
+                  </m:oMath>
+                </a14:m>
+                <a:r>
+                  <a:rPr lang="fr-FR" dirty="0" smtClean="0"/>
+                  <a:t> : 12,54/20 (de 4,3 </a:t>
+                </a:r>
+                <a:r>
+                  <a:rPr lang="fr-FR" dirty="0" smtClean="0">
+                    <a:sym typeface="Wingdings" pitchFamily="2" charset="2"/>
+                  </a:rPr>
+                  <a:t> à 18,3).</a:t>
+                </a:r>
+              </a:p>
+              <a:p>
+                <a:endParaRPr lang="fr-FR" dirty="0" smtClean="0">
+                  <a:sym typeface="Wingdings" pitchFamily="2" charset="2"/>
+                </a:endParaRPr>
+              </a:p>
+              <a:p>
+                <a:r>
+                  <a:rPr lang="fr-FR" dirty="0" smtClean="0">
+                    <a:sym typeface="Wingdings" pitchFamily="2" charset="2"/>
+                  </a:rPr>
+                  <a:t>Ce qui semble avoir fonctionné</a:t>
+                </a:r>
+              </a:p>
+              <a:p>
+                <a:pPr lvl="1"/>
+                <a:r>
+                  <a:rPr lang="fr-FR" dirty="0">
+                    <a:sym typeface="Wingdings" pitchFamily="2" charset="2"/>
+                  </a:rPr>
+                  <a:t>Optimisation de la position du cycliste dans la recherche de </a:t>
+                </a:r>
+                <a:r>
+                  <a:rPr lang="fr-FR" dirty="0" smtClean="0">
+                    <a:sym typeface="Wingdings" pitchFamily="2" charset="2"/>
+                  </a:rPr>
+                  <a:t>performance (18,3/20) :</a:t>
+                </a:r>
+              </a:p>
+              <a:p>
+                <a:pPr lvl="2"/>
+                <a:r>
+                  <a:rPr lang="fr-FR" dirty="0" smtClean="0">
+                    <a:sym typeface="Wingdings" pitchFamily="2" charset="2"/>
+                  </a:rPr>
+                  <a:t>Problématique personnelle, expériences complètes, modélisation, informatique, bouclage entre la problématique et l’expérience)</a:t>
+                </a:r>
+              </a:p>
+              <a:p>
+                <a:pPr lvl="1"/>
+                <a:r>
+                  <a:rPr lang="fr-FR" dirty="0">
+                    <a:sym typeface="Wingdings" pitchFamily="2" charset="2"/>
+                  </a:rPr>
+                  <a:t>Impression sur étoffe, exercer une pression uniforme sur une surface non </a:t>
+                </a:r>
+                <a:r>
+                  <a:rPr lang="fr-FR" dirty="0" smtClean="0">
+                    <a:sym typeface="Wingdings" pitchFamily="2" charset="2"/>
+                  </a:rPr>
+                  <a:t>plane (16,9/20 et 14/20) </a:t>
+                </a:r>
+              </a:p>
+              <a:p>
+                <a:pPr lvl="2"/>
+                <a:r>
+                  <a:rPr lang="fr-FR" dirty="0">
+                    <a:sym typeface="Wingdings" pitchFamily="2" charset="2"/>
+                  </a:rPr>
+                  <a:t>P</a:t>
+                </a:r>
+                <a:r>
+                  <a:rPr lang="fr-FR" dirty="0" smtClean="0">
+                    <a:sym typeface="Wingdings" pitchFamily="2" charset="2"/>
+                  </a:rPr>
+                  <a:t>roblématique industrielle originale, modélisation classique mais bien faite, bonne présentation. </a:t>
+                </a:r>
+              </a:p>
+              <a:p>
+                <a:pPr lvl="1"/>
+                <a:r>
+                  <a:rPr lang="fr-FR" dirty="0" smtClean="0">
+                    <a:sym typeface="Wingdings" pitchFamily="2" charset="2"/>
+                  </a:rPr>
+                  <a:t>Influence de la pression des pneus sur la consommation de carburant (15,7/20)</a:t>
+                </a:r>
+              </a:p>
+              <a:p>
+                <a:pPr lvl="2"/>
+                <a:r>
+                  <a:rPr lang="fr-FR" dirty="0" smtClean="0">
+                    <a:sym typeface="Wingdings" pitchFamily="2" charset="2"/>
+                  </a:rPr>
+                  <a:t>Problématique simple, expérimentation et modèles relativement simples, mais rigoureux. </a:t>
+                </a:r>
+              </a:p>
+              <a:p>
+                <a:r>
+                  <a:rPr lang="fr-FR" smtClean="0">
+                    <a:sym typeface="Wingdings" pitchFamily="2" charset="2"/>
+                  </a:rPr>
+                  <a:t>…</a:t>
+                </a:r>
+              </a:p>
+              <a:p>
+                <a:endParaRPr lang="fr-FR" dirty="0" smtClean="0">
+                  <a:sym typeface="Wingdings" pitchFamily="2" charset="2"/>
+                </a:endParaRPr>
+              </a:p>
+              <a:p>
+                <a:pPr lvl="1"/>
+                <a:endParaRPr lang="fr-FR" dirty="0" smtClean="0"/>
+              </a:p>
+              <a:p>
+                <a:endParaRPr lang="fr-FR" dirty="0"/>
+              </a:p>
+            </p:txBody>
+          </p:sp>
+        </mc:Choice>
+        <mc:Fallback>
+          <p:sp>
+            <p:nvSpPr>
+              <p:cNvPr id="4" name="Espace réservé du contenu 3"/>
+              <p:cNvSpPr>
+                <a:spLocks noGrp="1" noRot="1" noChangeAspect="1" noMove="1" noResize="1" noEditPoints="1" noAdjustHandles="1" noChangeArrowheads="1" noChangeShapeType="1" noTextEdit="1"/>
+              </p:cNvSpPr>
+              <p:nvPr>
+                <p:ph sz="quarter" idx="1"/>
+              </p:nvPr>
+            </p:nvSpPr>
+            <p:spPr>
+              <a:blipFill rotWithShape="1">
+                <a:blip r:embed="rId2"/>
+                <a:stretch>
+                  <a:fillRect l="-296" t="-2099"/>
+                </a:stretch>
+              </a:blipFill>
+            </p:spPr>
+            <p:txBody>
+              <a:bodyPr/>
+              <a:lstStyle/>
+              <a:p>
+                <a:r>
+                  <a:rPr lang="fr-FR">
+                    <a:noFill/>
+                  </a:rPr>
+                  <a:t> </a:t>
+                </a:r>
+              </a:p>
+            </p:txBody>
+          </p:sp>
+        </mc:Fallback>
+      </mc:AlternateContent>
+      <p:graphicFrame>
+        <p:nvGraphicFramePr>
+          <p:cNvPr id="5" name="Graphique 4"/>
+          <p:cNvGraphicFramePr>
+            <a:graphicFrameLocks/>
+          </p:cNvGraphicFramePr>
+          <p:nvPr>
+            <p:extLst>
+              <p:ext uri="{D42A27DB-BD31-4B8C-83A1-F6EECF244321}">
+                <p14:modId xmlns:p14="http://schemas.microsoft.com/office/powerpoint/2010/main" val="1407799578"/>
+              </p:ext>
+            </p:extLst>
+          </p:nvPr>
+        </p:nvGraphicFramePr>
+        <p:xfrm>
+          <a:off x="5724128" y="116632"/>
+          <a:ext cx="3413963" cy="2091680"/>
+        </p:xfrm>
+        <a:graphic>
+          <a:graphicData uri="http://schemas.openxmlformats.org/drawingml/2006/chart">
+            <c:chart xmlns:c="http://schemas.openxmlformats.org/drawingml/2006/chart" xmlns:r="http://schemas.openxmlformats.org/officeDocument/2006/relationships" r:id="rId3"/>
+          </a:graphicData>
+        </a:graphic>
+      </p:graphicFrame>
+    </p:spTree>
+    <p:extLst>
+      <p:ext uri="{BB962C8B-B14F-4D97-AF65-F5344CB8AC3E}">
+        <p14:creationId xmlns:p14="http://schemas.microsoft.com/office/powerpoint/2010/main" val="2812288450"/>
+      </p:ext>
+    </p:extLst>
+  </p:cSld>
+  <p:clrMapOvr>
+    <a:masterClrMapping/>
+  </p:clrMapOvr>
 </p:sld>
 </file>
 

--- a/Introduction_TIPE.pptx
+++ b/Introduction_TIPE.pptx
@@ -5,7 +5,7 @@
     <p:sldMasterId id="2147483684" r:id="rId1"/>
   </p:sldMasterIdLst>
   <p:notesMasterIdLst>
-    <p:notesMasterId r:id="rId11"/>
+    <p:notesMasterId r:id="rId12"/>
   </p:notesMasterIdLst>
   <p:sldIdLst>
     <p:sldId id="256" r:id="rId2"/>
@@ -17,6 +17,7 @@
     <p:sldId id="262" r:id="rId8"/>
     <p:sldId id="263" r:id="rId9"/>
     <p:sldId id="264" r:id="rId10"/>
+    <p:sldId id="265" r:id="rId11"/>
   </p:sldIdLst>
   <p:sldSz cx="9144000" cy="6858000" type="screen4x3"/>
   <p:notesSz cx="7099300" cy="10234613"/>
@@ -320,11 +321,11 @@
           <c:showPercent val="0"/>
           <c:showBubbleSize val="0"/>
         </c:dLbls>
-        <c:axId val="96428032"/>
-        <c:axId val="96428608"/>
+        <c:axId val="90078528"/>
+        <c:axId val="101892096"/>
       </c:scatterChart>
       <c:valAx>
-        <c:axId val="96428032"/>
+        <c:axId val="90078528"/>
         <c:scaling>
           <c:orientation val="minMax"/>
         </c:scaling>
@@ -333,12 +334,12 @@
         <c:majorTickMark val="out"/>
         <c:minorTickMark val="none"/>
         <c:tickLblPos val="nextTo"/>
-        <c:crossAx val="96428608"/>
+        <c:crossAx val="101892096"/>
         <c:crosses val="autoZero"/>
         <c:crossBetween val="midCat"/>
       </c:valAx>
       <c:valAx>
-        <c:axId val="96428608"/>
+        <c:axId val="101892096"/>
         <c:scaling>
           <c:orientation val="minMax"/>
         </c:scaling>
@@ -349,7 +350,7 @@
         <c:majorTickMark val="out"/>
         <c:minorTickMark val="none"/>
         <c:tickLblPos val="nextTo"/>
-        <c:crossAx val="96428032"/>
+        <c:crossAx val="90078528"/>
         <c:crosses val="autoZero"/>
         <c:crossBetween val="midCat"/>
       </c:valAx>
@@ -4805,6 +4806,192 @@
 </p:sld>
 </file>
 
+<file path=ppt/slides/slide10.xml><?xml version="1.0" encoding="utf-8"?>
+<p:sld xmlns:a="http://schemas.openxmlformats.org/drawingml/2006/main" xmlns:r="http://schemas.openxmlformats.org/officeDocument/2006/relationships" xmlns:p="http://schemas.openxmlformats.org/presentationml/2006/main">
+  <p:cSld>
+    <p:spTree>
+      <p:nvGrpSpPr>
+        <p:cNvPr id="1" name=""/>
+        <p:cNvGrpSpPr/>
+        <p:nvPr/>
+      </p:nvGrpSpPr>
+      <p:grpSpPr>
+        <a:xfrm>
+          <a:off x="0" y="0"/>
+          <a:ext cx="0" cy="0"/>
+          <a:chOff x="0" y="0"/>
+          <a:chExt cx="0" cy="0"/>
+        </a:xfrm>
+      </p:grpSpPr>
+      <p:sp>
+        <p:nvSpPr>
+          <p:cNvPr id="2" name="Titre 1"/>
+          <p:cNvSpPr>
+            <a:spLocks noGrp="1"/>
+          </p:cNvSpPr>
+          <p:nvPr>
+            <p:ph type="title"/>
+          </p:nvPr>
+        </p:nvSpPr>
+        <p:spPr/>
+        <p:txBody>
+          <a:bodyPr/>
+          <a:lstStyle/>
+          <a:p>
+            <a:r>
+              <a:rPr lang="fr-FR" dirty="0" smtClean="0"/>
+              <a:t>Exemple de moyens utilisables dans le lycée</a:t>
+            </a:r>
+            <a:endParaRPr lang="fr-FR" dirty="0"/>
+          </a:p>
+        </p:txBody>
+      </p:sp>
+      <p:sp>
+        <p:nvSpPr>
+          <p:cNvPr id="3" name="Espace réservé du numéro de diapositive 2"/>
+          <p:cNvSpPr>
+            <a:spLocks noGrp="1"/>
+          </p:cNvSpPr>
+          <p:nvPr>
+            <p:ph type="sldNum" sz="quarter" idx="12"/>
+          </p:nvPr>
+        </p:nvSpPr>
+        <p:spPr/>
+        <p:txBody>
+          <a:bodyPr/>
+          <a:lstStyle/>
+          <a:p>
+            <a:fld id="{3F1D8263-54E8-442D-88B4-DA252C595E3D}" type="slidenum">
+              <a:rPr lang="fr-FR" smtClean="0"/>
+              <a:pPr/>
+              <a:t>10</a:t>
+            </a:fld>
+            <a:endParaRPr lang="fr-FR"/>
+          </a:p>
+        </p:txBody>
+      </p:sp>
+      <p:sp>
+        <p:nvSpPr>
+          <p:cNvPr id="4" name="Espace réservé du contenu 3"/>
+          <p:cNvSpPr>
+            <a:spLocks noGrp="1"/>
+          </p:cNvSpPr>
+          <p:nvPr>
+            <p:ph sz="quarter" idx="1"/>
+          </p:nvPr>
+        </p:nvSpPr>
+        <p:spPr/>
+        <p:txBody>
+          <a:bodyPr/>
+          <a:lstStyle/>
+          <a:p>
+            <a:r>
+              <a:rPr lang="fr-FR" dirty="0" smtClean="0"/>
+              <a:t>Machine de traction (1 Tonne)</a:t>
+            </a:r>
+          </a:p>
+          <a:p>
+            <a:r>
+              <a:rPr lang="fr-FR" dirty="0" smtClean="0"/>
+              <a:t>Machine à découper/graver laser (bois, plexi jusqu’à 10 mm)</a:t>
+            </a:r>
+          </a:p>
+          <a:p>
+            <a:r>
+              <a:rPr lang="fr-FR" dirty="0" smtClean="0"/>
+              <a:t>Imprimante 3D</a:t>
+            </a:r>
+          </a:p>
+          <a:p>
+            <a:r>
+              <a:rPr lang="fr-FR" dirty="0" smtClean="0"/>
+              <a:t>Cartes </a:t>
+            </a:r>
+            <a:r>
+              <a:rPr lang="fr-FR" dirty="0" err="1" smtClean="0"/>
+              <a:t>arduino</a:t>
+            </a:r>
+            <a:r>
+              <a:rPr lang="fr-FR" dirty="0" smtClean="0"/>
+              <a:t> </a:t>
+            </a:r>
+            <a:r>
+              <a:rPr lang="fr-FR" dirty="0" err="1" smtClean="0"/>
+              <a:t>Uno</a:t>
+            </a:r>
+            <a:r>
+              <a:rPr lang="fr-FR" dirty="0" smtClean="0"/>
+              <a:t>/</a:t>
+            </a:r>
+            <a:r>
+              <a:rPr lang="fr-FR" dirty="0" err="1" smtClean="0"/>
+              <a:t>Mega</a:t>
+            </a:r>
+            <a:endParaRPr lang="fr-FR" dirty="0" smtClean="0"/>
+          </a:p>
+          <a:p>
+            <a:r>
+              <a:rPr lang="fr-FR" dirty="0" smtClean="0"/>
+              <a:t>Drones</a:t>
+            </a:r>
+          </a:p>
+          <a:p>
+            <a:r>
+              <a:rPr lang="fr-FR" dirty="0" smtClean="0"/>
+              <a:t>Voiture de modélisme</a:t>
+            </a:r>
+          </a:p>
+          <a:p>
+            <a:r>
+              <a:rPr lang="fr-FR" dirty="0" smtClean="0"/>
+              <a:t>Bateau de modélisme</a:t>
+            </a:r>
+          </a:p>
+          <a:p>
+            <a:r>
+              <a:rPr lang="fr-FR" dirty="0" smtClean="0"/>
+              <a:t>Alim stabilisée</a:t>
+            </a:r>
+          </a:p>
+          <a:p>
+            <a:r>
+              <a:rPr lang="fr-FR" dirty="0" smtClean="0"/>
+              <a:t>Composants </a:t>
+            </a:r>
+            <a:r>
+              <a:rPr lang="fr-FR" dirty="0" smtClean="0"/>
+              <a:t>électroniques divers</a:t>
+            </a:r>
+            <a:endParaRPr lang="fr-FR" dirty="0" smtClean="0"/>
+          </a:p>
+          <a:p>
+            <a:r>
+              <a:rPr lang="fr-FR" dirty="0" smtClean="0"/>
+              <a:t>…</a:t>
+            </a:r>
+          </a:p>
+          <a:p>
+            <a:r>
+              <a:rPr lang="fr-FR" dirty="0" smtClean="0"/>
+              <a:t>Logiciels de simulation</a:t>
+            </a:r>
+            <a:endParaRPr lang="fr-FR" dirty="0" smtClean="0"/>
+          </a:p>
+        </p:txBody>
+      </p:sp>
+    </p:spTree>
+    <p:extLst>
+      <p:ext uri="{BB962C8B-B14F-4D97-AF65-F5344CB8AC3E}">
+        <p14:creationId xmlns:p14="http://schemas.microsoft.com/office/powerpoint/2010/main" val="276122363"/>
+      </p:ext>
+    </p:extLst>
+  </p:cSld>
+  <p:clrMapOvr>
+    <a:masterClrMapping/>
+  </p:clrMapOvr>
+</p:sld>
+</file>
+
 <file path=ppt/slides/slide2.xml><?xml version="1.0" encoding="utf-8"?>
 <p:sld xmlns:a="http://schemas.openxmlformats.org/drawingml/2006/main" xmlns:r="http://schemas.openxmlformats.org/officeDocument/2006/relationships" xmlns:p="http://schemas.openxmlformats.org/presentationml/2006/main">
   <p:cSld>
@@ -5994,8 +6181,8 @@
           </a:p>
         </p:txBody>
       </p:sp>
-      <mc:AlternateContent xmlns:mc="http://schemas.openxmlformats.org/markup-compatibility/2006">
-        <mc:Choice xmlns:a14="http://schemas.microsoft.com/office/drawing/2010/main" Requires="a14">
+      <mc:AlternateContent xmlns:mc="http://schemas.openxmlformats.org/markup-compatibility/2006" xmlns:a14="http://schemas.microsoft.com/office/drawing/2010/main">
+        <mc:Choice Requires="a14">
           <p:sp>
             <p:nvSpPr>
               <p:cNvPr id="4" name="Espace réservé du contenu 3"/>
@@ -6153,7 +6340,7 @@
             </p:txBody>
           </p:sp>
         </mc:Choice>
-        <mc:Fallback>
+        <mc:Fallback xmlns="">
           <p:sp>
             <p:nvSpPr>
               <p:cNvPr id="4" name="Espace réservé du contenu 3"/>

--- a/Introduction_TIPE.pptx
+++ b/Introduction_TIPE.pptx
@@ -118,7 +118,7 @@
   </p:defaultTextStyle>
   <p:extLst>
     <p:ext uri="{EFAFB233-063F-42B5-8137-9DF3F51BA10A}">
-      <p15:sldGuideLst xmlns="" xmlns:p15="http://schemas.microsoft.com/office/powerpoint/2012/main">
+      <p15:sldGuideLst xmlns:p15="http://schemas.microsoft.com/office/powerpoint/2012/main" xmlns="">
         <p15:guide id="1" orient="horz" pos="2160">
           <p15:clr>
             <a:srgbClr val="A4A3A4"/>
@@ -321,11 +321,11 @@
           <c:showPercent val="0"/>
           <c:showBubbleSize val="0"/>
         </c:dLbls>
-        <c:axId val="90078528"/>
-        <c:axId val="101892096"/>
+        <c:axId val="131825664"/>
+        <c:axId val="131826240"/>
       </c:scatterChart>
       <c:valAx>
-        <c:axId val="90078528"/>
+        <c:axId val="131825664"/>
         <c:scaling>
           <c:orientation val="minMax"/>
         </c:scaling>
@@ -334,12 +334,12 @@
         <c:majorTickMark val="out"/>
         <c:minorTickMark val="none"/>
         <c:tickLblPos val="nextTo"/>
-        <c:crossAx val="101892096"/>
+        <c:crossAx val="131826240"/>
         <c:crosses val="autoZero"/>
         <c:crossBetween val="midCat"/>
       </c:valAx>
       <c:valAx>
-        <c:axId val="101892096"/>
+        <c:axId val="131826240"/>
         <c:scaling>
           <c:orientation val="minMax"/>
         </c:scaling>
@@ -350,7 +350,7 @@
         <c:majorTickMark val="out"/>
         <c:minorTickMark val="none"/>
         <c:tickLblPos val="nextTo"/>
-        <c:crossAx val="90078528"/>
+        <c:crossAx val="131825664"/>
         <c:crosses val="autoZero"/>
         <c:crossBetween val="midCat"/>
       </c:valAx>
@@ -448,7 +448,7 @@
             <a:fld id="{E494A05E-DEA9-4CEA-A63B-3593EEF3AC45}" type="datetimeFigureOut">
               <a:rPr lang="fr-FR" smtClean="0"/>
               <a:pPr/>
-              <a:t>03/09/2018</a:t>
+              <a:t>04/09/2018</a:t>
             </a:fld>
             <a:endParaRPr lang="fr-FR"/>
           </a:p>
@@ -1119,7 +1119,7 @@
             <a:fld id="{3A961F90-11F6-4966-B0E5-2BB20F714B78}" type="datetime1">
               <a:rPr lang="fr-FR" smtClean="0"/>
               <a:pPr/>
-              <a:t>03/09/2018</a:t>
+              <a:t>04/09/2018</a:t>
             </a:fld>
             <a:endParaRPr lang="fr-FR"/>
           </a:p>
@@ -1480,7 +1480,7 @@
             <a:fld id="{59700BD1-A4B5-444B-B773-B4FDD97DF200}" type="datetime1">
               <a:rPr lang="fr-FR" smtClean="0"/>
               <a:pPr/>
-              <a:t>03/09/2018</a:t>
+              <a:t>04/09/2018</a:t>
             </a:fld>
             <a:endParaRPr lang="fr-FR"/>
           </a:p>
@@ -1657,7 +1657,7 @@
             <a:fld id="{A354AF49-C35E-40F6-8345-CA866716EE79}" type="datetime1">
               <a:rPr lang="fr-FR" smtClean="0"/>
               <a:pPr/>
-              <a:t>03/09/2018</a:t>
+              <a:t>04/09/2018</a:t>
             </a:fld>
             <a:endParaRPr lang="fr-FR"/>
           </a:p>
@@ -1905,7 +1905,7 @@
             <a:fld id="{EAFEF7E1-4A71-4560-AA4D-33BBAAF32357}" type="datetime1">
               <a:rPr lang="fr-FR" smtClean="0"/>
               <a:pPr/>
-              <a:t>03/09/2018</a:t>
+              <a:t>04/09/2018</a:t>
             </a:fld>
             <a:endParaRPr lang="fr-FR"/>
           </a:p>
@@ -2183,7 +2183,7 @@
             <a:fld id="{9BE6CECE-C4BA-493A-9F45-8F69D8200EC9}" type="datetime1">
               <a:rPr lang="fr-FR" smtClean="0"/>
               <a:pPr/>
-              <a:t>03/09/2018</a:t>
+              <a:t>04/09/2018</a:t>
             </a:fld>
             <a:endParaRPr lang="fr-FR"/>
           </a:p>
@@ -2405,7 +2405,7 @@
             <a:fld id="{6B400324-51BB-4021-B482-6C084AB66459}" type="datetime1">
               <a:rPr lang="fr-FR" smtClean="0"/>
               <a:pPr/>
-              <a:t>03/09/2018</a:t>
+              <a:t>04/09/2018</a:t>
             </a:fld>
             <a:endParaRPr lang="fr-FR"/>
           </a:p>
@@ -2759,7 +2759,7 @@
             <a:fld id="{87C4A39B-E1E0-4B19-A965-1E1097FB3AF3}" type="datetime1">
               <a:rPr lang="fr-FR" smtClean="0"/>
               <a:pPr/>
-              <a:t>03/09/2018</a:t>
+              <a:t>04/09/2018</a:t>
             </a:fld>
             <a:endParaRPr lang="fr-FR"/>
           </a:p>
@@ -2993,7 +2993,7 @@
             <a:fld id="{CEF5A761-699F-4B94-BA43-1E8C0C9C554B}" type="datetime1">
               <a:rPr lang="fr-FR" smtClean="0"/>
               <a:pPr/>
-              <a:t>03/09/2018</a:t>
+              <a:t>04/09/2018</a:t>
             </a:fld>
             <a:endParaRPr lang="fr-FR"/>
           </a:p>
@@ -3135,7 +3135,7 @@
             <a:fld id="{E407DE65-0759-4C9C-9804-8C4C0AC5F8D7}" type="datetime1">
               <a:rPr lang="fr-FR" smtClean="0"/>
               <a:pPr/>
-              <a:t>03/09/2018</a:t>
+              <a:t>04/09/2018</a:t>
             </a:fld>
             <a:endParaRPr lang="fr-FR"/>
           </a:p>
@@ -3414,7 +3414,7 @@
             <a:fld id="{6DCAF433-E5EB-4B74-B8BB-3F6D9EEAE800}" type="datetime1">
               <a:rPr lang="fr-FR" smtClean="0"/>
               <a:pPr/>
-              <a:t>03/09/2018</a:t>
+              <a:t>04/09/2018</a:t>
             </a:fld>
             <a:endParaRPr lang="fr-FR"/>
           </a:p>
@@ -3823,7 +3823,7 @@
             <a:fld id="{E5AEAC06-18E9-471A-B77A-CDA5C363BF1F}" type="datetime1">
               <a:rPr lang="fr-FR" smtClean="0"/>
               <a:pPr/>
-              <a:t>03/09/2018</a:t>
+              <a:t>04/09/2018</a:t>
             </a:fld>
             <a:endParaRPr lang="fr-FR"/>
           </a:p>
@@ -4163,7 +4163,7 @@
             <a:fld id="{B9178431-C703-4FD6-9F6F-E8F5512852E2}" type="datetime1">
               <a:rPr lang="fr-FR" smtClean="0"/>
               <a:pPr/>
-              <a:t>03/09/2018</a:t>
+              <a:t>04/09/2018</a:t>
             </a:fld>
             <a:endParaRPr lang="fr-FR"/>
           </a:p>
@@ -4956,13 +4956,8 @@
           <a:p>
             <a:r>
               <a:rPr lang="fr-FR" dirty="0" smtClean="0"/>
-              <a:t>Composants </a:t>
-            </a:r>
-            <a:r>
-              <a:rPr lang="fr-FR" dirty="0" smtClean="0"/>
-              <a:t>électroniques divers</a:t>
-            </a:r>
-            <a:endParaRPr lang="fr-FR" dirty="0" smtClean="0"/>
+              <a:t>Composants électroniques divers</a:t>
+            </a:r>
           </a:p>
           <a:p>
             <a:r>
@@ -4975,7 +4970,6 @@
               <a:rPr lang="fr-FR" dirty="0" smtClean="0"/>
               <a:t>Logiciels de simulation</a:t>
             </a:r>
-            <a:endParaRPr lang="fr-FR" dirty="0" smtClean="0"/>
           </a:p>
         </p:txBody>
       </p:sp>
@@ -6091,6 +6085,25 @@
               <a:rPr lang="fr-FR" dirty="0" smtClean="0"/>
               <a:t>… Feuille de présence à signer le vendredi… les absences sont à justifier. </a:t>
             </a:r>
+            <a:endParaRPr lang="fr-FR" dirty="0" smtClean="0"/>
+          </a:p>
+          <a:p>
+            <a:endParaRPr lang="fr-FR" dirty="0"/>
+          </a:p>
+          <a:p>
+            <a:r>
+              <a:rPr lang="fr-FR" dirty="0" smtClean="0"/>
+              <a:t>Tenir un carnet de bor</a:t>
+            </a:r>
+            <a:r>
+              <a:rPr lang="fr-FR" dirty="0" smtClean="0"/>
+              <a:t>d hebdomadaire sur les activités réalisées pendant l’année (permettra de remplir le DOT – </a:t>
+            </a:r>
+            <a:r>
+              <a:rPr lang="fr-FR" smtClean="0"/>
+              <a:t>Déroulé opérationnel du TIPE)</a:t>
+            </a:r>
+            <a:endParaRPr lang="fr-FR" dirty="0" smtClean="0"/>
           </a:p>
           <a:p>
             <a:endParaRPr lang="fr-FR" dirty="0"/>
